--- a/images/venn.pptx
+++ b/images/venn.pptx
@@ -270,7 +270,7 @@
           <a:p>
             <a:fld id="{8F4832F2-583F-F248-89DD-9DC39AB450C4}" type="datetimeFigureOut">
               <a:rPr lang="en-US" smtClean="0"/>
-              <a:t>11/7/25</a:t>
+              <a:t>11/8/25</a:t>
             </a:fld>
             <a:endParaRPr lang="en-US"/>
           </a:p>
@@ -468,7 +468,7 @@
           <a:p>
             <a:fld id="{8F4832F2-583F-F248-89DD-9DC39AB450C4}" type="datetimeFigureOut">
               <a:rPr lang="en-US" smtClean="0"/>
-              <a:t>11/7/25</a:t>
+              <a:t>11/8/25</a:t>
             </a:fld>
             <a:endParaRPr lang="en-US"/>
           </a:p>
@@ -676,7 +676,7 @@
           <a:p>
             <a:fld id="{8F4832F2-583F-F248-89DD-9DC39AB450C4}" type="datetimeFigureOut">
               <a:rPr lang="en-US" smtClean="0"/>
-              <a:t>11/7/25</a:t>
+              <a:t>11/8/25</a:t>
             </a:fld>
             <a:endParaRPr lang="en-US"/>
           </a:p>
@@ -874,7 +874,7 @@
           <a:p>
             <a:fld id="{8F4832F2-583F-F248-89DD-9DC39AB450C4}" type="datetimeFigureOut">
               <a:rPr lang="en-US" smtClean="0"/>
-              <a:t>11/7/25</a:t>
+              <a:t>11/8/25</a:t>
             </a:fld>
             <a:endParaRPr lang="en-US"/>
           </a:p>
@@ -1149,7 +1149,7 @@
           <a:p>
             <a:fld id="{8F4832F2-583F-F248-89DD-9DC39AB450C4}" type="datetimeFigureOut">
               <a:rPr lang="en-US" smtClean="0"/>
-              <a:t>11/7/25</a:t>
+              <a:t>11/8/25</a:t>
             </a:fld>
             <a:endParaRPr lang="en-US"/>
           </a:p>
@@ -1414,7 +1414,7 @@
           <a:p>
             <a:fld id="{8F4832F2-583F-F248-89DD-9DC39AB450C4}" type="datetimeFigureOut">
               <a:rPr lang="en-US" smtClean="0"/>
-              <a:t>11/7/25</a:t>
+              <a:t>11/8/25</a:t>
             </a:fld>
             <a:endParaRPr lang="en-US"/>
           </a:p>
@@ -1826,7 +1826,7 @@
           <a:p>
             <a:fld id="{8F4832F2-583F-F248-89DD-9DC39AB450C4}" type="datetimeFigureOut">
               <a:rPr lang="en-US" smtClean="0"/>
-              <a:t>11/7/25</a:t>
+              <a:t>11/8/25</a:t>
             </a:fld>
             <a:endParaRPr lang="en-US"/>
           </a:p>
@@ -1967,7 +1967,7 @@
           <a:p>
             <a:fld id="{8F4832F2-583F-F248-89DD-9DC39AB450C4}" type="datetimeFigureOut">
               <a:rPr lang="en-US" smtClean="0"/>
-              <a:t>11/7/25</a:t>
+              <a:t>11/8/25</a:t>
             </a:fld>
             <a:endParaRPr lang="en-US"/>
           </a:p>
@@ -2080,7 +2080,7 @@
           <a:p>
             <a:fld id="{8F4832F2-583F-F248-89DD-9DC39AB450C4}" type="datetimeFigureOut">
               <a:rPr lang="en-US" smtClean="0"/>
-              <a:t>11/7/25</a:t>
+              <a:t>11/8/25</a:t>
             </a:fld>
             <a:endParaRPr lang="en-US"/>
           </a:p>
@@ -2391,7 +2391,7 @@
           <a:p>
             <a:fld id="{8F4832F2-583F-F248-89DD-9DC39AB450C4}" type="datetimeFigureOut">
               <a:rPr lang="en-US" smtClean="0"/>
-              <a:t>11/7/25</a:t>
+              <a:t>11/8/25</a:t>
             </a:fld>
             <a:endParaRPr lang="en-US"/>
           </a:p>
@@ -2679,7 +2679,7 @@
           <a:p>
             <a:fld id="{8F4832F2-583F-F248-89DD-9DC39AB450C4}" type="datetimeFigureOut">
               <a:rPr lang="en-US" smtClean="0"/>
-              <a:t>11/7/25</a:t>
+              <a:t>11/8/25</a:t>
             </a:fld>
             <a:endParaRPr lang="en-US"/>
           </a:p>
@@ -2920,7 +2920,7 @@
           <a:p>
             <a:fld id="{8F4832F2-583F-F248-89DD-9DC39AB450C4}" type="datetimeFigureOut">
               <a:rPr lang="en-US" smtClean="0"/>
-              <a:t>11/7/25</a:t>
+              <a:t>11/8/25</a:t>
             </a:fld>
             <a:endParaRPr lang="en-US"/>
           </a:p>
@@ -3353,7 +3353,7 @@
         </p:nvSpPr>
         <p:spPr>
           <a:xfrm>
-            <a:off x="2837329" y="174812"/>
+            <a:off x="2433294" y="174812"/>
             <a:ext cx="4114800" cy="4114800"/>
           </a:xfrm>
           <a:prstGeom prst="ellipse">
@@ -3414,7 +3414,7 @@
         </p:nvSpPr>
         <p:spPr>
           <a:xfrm>
-            <a:off x="5239871" y="174812"/>
+            <a:off x="5643906" y="174812"/>
             <a:ext cx="4114800" cy="4114800"/>
           </a:xfrm>
           <a:prstGeom prst="ellipse">
@@ -3470,7 +3470,7 @@
         </p:nvSpPr>
         <p:spPr>
           <a:xfrm>
-            <a:off x="4038600" y="2380130"/>
+            <a:off x="4048909" y="2743200"/>
             <a:ext cx="4114800" cy="4114800"/>
           </a:xfrm>
           <a:prstGeom prst="ellipse">
@@ -3526,7 +3526,7 @@
         </p:nvSpPr>
         <p:spPr>
           <a:xfrm>
-            <a:off x="2471569" y="-190948"/>
+            <a:off x="2067534" y="-190948"/>
             <a:ext cx="4846320" cy="4846320"/>
           </a:xfrm>
           <a:prstGeom prst="ellipse">
@@ -3564,7 +3564,7 @@
           <a:lstStyle/>
           <a:p>
             <a:r>
-              <a:rPr lang="en-US" sz="3200" dirty="0">
+              <a:rPr lang="en-US" sz="3600" dirty="0">
                 <a:ln w="12700">
                   <a:solidFill>
                     <a:srgbClr val="001526"/>
@@ -3593,7 +3593,7 @@
         </p:nvSpPr>
         <p:spPr>
           <a:xfrm>
-            <a:off x="4894729" y="-190948"/>
+            <a:off x="5298764" y="-190948"/>
             <a:ext cx="4846320" cy="4846320"/>
           </a:xfrm>
           <a:prstGeom prst="ellipse">
@@ -3632,7 +3632,7 @@
           <a:p>
             <a:pPr algn="r"/>
             <a:r>
-              <a:rPr lang="en-US" sz="3200" dirty="0">
+              <a:rPr lang="en-US" sz="3600" dirty="0">
                 <a:ln w="12700">
                   <a:solidFill>
                     <a:srgbClr val="001526"/>
@@ -3661,7 +3661,7 @@
         </p:nvSpPr>
         <p:spPr>
           <a:xfrm>
-            <a:off x="3672840" y="2164977"/>
+            <a:off x="3683149" y="2528047"/>
             <a:ext cx="4846320" cy="4846320"/>
           </a:xfrm>
           <a:prstGeom prst="ellipse">
@@ -3700,7 +3700,7 @@
           <a:p>
             <a:pPr algn="ctr"/>
             <a:r>
-              <a:rPr lang="en-US" sz="3200" dirty="0">
+              <a:rPr lang="en-US" sz="3600" dirty="0">
                 <a:ln w="12700">
                   <a:solidFill>
                     <a:srgbClr val="001526"/>
